--- a/doc/simple_chat_room.pptx
+++ b/doc/simple_chat_room.pptx
@@ -11777,7 +11777,7 @@
         <p:spPr>
           <a:xfrm>
             <a:off x="944217" y="2892287"/>
-            <a:ext cx="2678214" cy="1477328"/>
+            <a:ext cx="2678214" cy="2031325"/>
           </a:xfrm>
           <a:prstGeom prst="rect">
             <a:avLst/>
@@ -11808,6 +11808,17 @@
             <a:r>
               <a:rPr lang="zh-CN" altLang="en-US" dirty="0"/>
               <a:t>点击停止，关闭服务器</a:t>
+            </a:r>
+            <a:endParaRPr lang="en-US" altLang="zh-CN" dirty="0"/>
+          </a:p>
+          <a:p>
+            <a:pPr marL="285750" indent="-285750">
+              <a:buFont typeface="Arial" panose="020B0604020202020204" pitchFamily="34" charset="0"/>
+              <a:buChar char="•"/>
+            </a:pPr>
+            <a:r>
+              <a:rPr lang="zh-CN" altLang="en-US" dirty="0"/>
+              <a:t>点击发送来向所有在线用户群发广播消息</a:t>
             </a:r>
           </a:p>
         </p:txBody>
@@ -15385,7 +15396,7 @@
         </p:nvSpPr>
         <p:spPr>
           <a:xfrm rot="2700000">
-            <a:off x="-677683" y="2297224"/>
+            <a:off x="-821521" y="2297223"/>
             <a:ext cx="2311518" cy="2311518"/>
           </a:xfrm>
           <a:prstGeom prst="roundRect">
@@ -16150,53 +16161,6 @@
       </p:sp>
       <p:sp>
         <p:nvSpPr>
-          <p:cNvPr id="40" name="文本框 39"/>
-          <p:cNvSpPr txBox="1"/>
-          <p:nvPr/>
-        </p:nvSpPr>
-        <p:spPr>
-          <a:xfrm>
-            <a:off x="44965" y="3116756"/>
-            <a:ext cx="1897124" cy="707886"/>
-          </a:xfrm>
-          <a:prstGeom prst="rect">
-            <a:avLst/>
-          </a:prstGeom>
-          <a:noFill/>
-        </p:spPr>
-        <p:txBody>
-          <a:bodyPr wrap="square" rtlCol="0">
-            <a:spAutoFit/>
-          </a:bodyPr>
-          <a:lstStyle/>
-          <a:p>
-            <a:pPr algn="ctr"/>
-            <a:r>
-              <a:rPr lang="en-US" altLang="zh-CN" sz="4000" dirty="0">
-                <a:solidFill>
-                  <a:schemeClr val="bg1"/>
-                </a:solidFill>
-                <a:latin typeface="微软雅黑" panose="020B0503020204020204" pitchFamily="34" charset="-122"/>
-                <a:ea typeface="微软雅黑" panose="020B0503020204020204" pitchFamily="34" charset="-122"/>
-                <a:cs typeface="+mn-ea"/>
-                <a:sym typeface="+mn-lt"/>
-              </a:rPr>
-              <a:t>JAVA</a:t>
-            </a:r>
-            <a:endParaRPr lang="zh-CN" altLang="en-US" sz="4000" dirty="0">
-              <a:solidFill>
-                <a:schemeClr val="bg1"/>
-              </a:solidFill>
-              <a:latin typeface="微软雅黑" panose="020B0503020204020204" pitchFamily="34" charset="-122"/>
-              <a:ea typeface="微软雅黑" panose="020B0503020204020204" pitchFamily="34" charset="-122"/>
-              <a:cs typeface="+mn-ea"/>
-              <a:sym typeface="+mn-lt"/>
-            </a:endParaRPr>
-          </a:p>
-        </p:txBody>
-      </p:sp>
-      <p:sp>
-        <p:nvSpPr>
           <p:cNvPr id="23" name="PA_圆角矩形 3"/>
           <p:cNvSpPr/>
           <p:nvPr>
@@ -17221,7 +17185,7 @@
                               <p:par>
                                 <p:cTn id="60" presetID="53" presetClass="entr" presetSubtype="16" fill="hold" grpId="0" nodeType="withEffect">
                                   <p:stCondLst>
-                                    <p:cond delay="500"/>
+                                    <p:cond delay="750"/>
                                   </p:stCondLst>
                                   <p:childTnLst>
                                     <p:set>
@@ -17232,7 +17196,7 @@
                                           </p:stCondLst>
                                         </p:cTn>
                                         <p:tgtEl>
-                                          <p:spTgt spid="40"/>
+                                          <p:spTgt spid="7"/>
                                         </p:tgtEl>
                                         <p:attrNameLst>
                                           <p:attrName>style.visibility</p:attrName>
@@ -17246,7 +17210,7 @@
                                       <p:cBhvr>
                                         <p:cTn id="62" dur="500" fill="hold"/>
                                         <p:tgtEl>
-                                          <p:spTgt spid="40"/>
+                                          <p:spTgt spid="7"/>
                                         </p:tgtEl>
                                         <p:attrNameLst>
                                           <p:attrName>ppt_w</p:attrName>
@@ -17269,7 +17233,7 @@
                                       <p:cBhvr>
                                         <p:cTn id="63" dur="500" fill="hold"/>
                                         <p:tgtEl>
-                                          <p:spTgt spid="40"/>
+                                          <p:spTgt spid="7"/>
                                         </p:tgtEl>
                                         <p:attrNameLst>
                                           <p:attrName>ppt_h</p:attrName>
@@ -17292,87 +17256,6 @@
                                       <p:cBhvr>
                                         <p:cTn id="64" dur="500"/>
                                         <p:tgtEl>
-                                          <p:spTgt spid="40"/>
-                                        </p:tgtEl>
-                                      </p:cBhvr>
-                                    </p:animEffect>
-                                  </p:childTnLst>
-                                </p:cTn>
-                              </p:par>
-                              <p:par>
-                                <p:cTn id="65" presetID="53" presetClass="entr" presetSubtype="16" fill="hold" grpId="0" nodeType="withEffect">
-                                  <p:stCondLst>
-                                    <p:cond delay="750"/>
-                                  </p:stCondLst>
-                                  <p:childTnLst>
-                                    <p:set>
-                                      <p:cBhvr>
-                                        <p:cTn id="66" dur="1" fill="hold">
-                                          <p:stCondLst>
-                                            <p:cond delay="0"/>
-                                          </p:stCondLst>
-                                        </p:cTn>
-                                        <p:tgtEl>
-                                          <p:spTgt spid="7"/>
-                                        </p:tgtEl>
-                                        <p:attrNameLst>
-                                          <p:attrName>style.visibility</p:attrName>
-                                        </p:attrNameLst>
-                                      </p:cBhvr>
-                                      <p:to>
-                                        <p:strVal val="visible"/>
-                                      </p:to>
-                                    </p:set>
-                                    <p:anim calcmode="lin" valueType="num">
-                                      <p:cBhvr>
-                                        <p:cTn id="67" dur="500" fill="hold"/>
-                                        <p:tgtEl>
-                                          <p:spTgt spid="7"/>
-                                        </p:tgtEl>
-                                        <p:attrNameLst>
-                                          <p:attrName>ppt_w</p:attrName>
-                                        </p:attrNameLst>
-                                      </p:cBhvr>
-                                      <p:tavLst>
-                                        <p:tav tm="0">
-                                          <p:val>
-                                            <p:fltVal val="0"/>
-                                          </p:val>
-                                        </p:tav>
-                                        <p:tav tm="100000">
-                                          <p:val>
-                                            <p:strVal val="#ppt_w"/>
-                                          </p:val>
-                                        </p:tav>
-                                      </p:tavLst>
-                                    </p:anim>
-                                    <p:anim calcmode="lin" valueType="num">
-                                      <p:cBhvr>
-                                        <p:cTn id="68" dur="500" fill="hold"/>
-                                        <p:tgtEl>
-                                          <p:spTgt spid="7"/>
-                                        </p:tgtEl>
-                                        <p:attrNameLst>
-                                          <p:attrName>ppt_h</p:attrName>
-                                        </p:attrNameLst>
-                                      </p:cBhvr>
-                                      <p:tavLst>
-                                        <p:tav tm="0">
-                                          <p:val>
-                                            <p:fltVal val="0"/>
-                                          </p:val>
-                                        </p:tav>
-                                        <p:tav tm="100000">
-                                          <p:val>
-                                            <p:strVal val="#ppt_h"/>
-                                          </p:val>
-                                        </p:tav>
-                                      </p:tavLst>
-                                    </p:anim>
-                                    <p:animEffect transition="in" filter="fade">
-                                      <p:cBhvr>
-                                        <p:cTn id="69" dur="500"/>
-                                        <p:tgtEl>
                                           <p:spTgt spid="7"/>
                                         </p:tgtEl>
                                       </p:cBhvr>
@@ -17384,13 +17267,13 @@
                           </p:cTn>
                         </p:par>
                         <p:par>
-                          <p:cTn id="70" fill="hold">
+                          <p:cTn id="65" fill="hold">
                             <p:stCondLst>
                               <p:cond delay="1250"/>
                             </p:stCondLst>
                             <p:childTnLst>
                               <p:par>
-                                <p:cTn id="71" presetID="41" presetClass="entr" presetSubtype="0" fill="hold" grpId="0" nodeType="afterEffect">
+                                <p:cTn id="66" presetID="41" presetClass="entr" presetSubtype="0" fill="hold" grpId="0" nodeType="afterEffect">
                                   <p:stCondLst>
                                     <p:cond delay="0"/>
                                   </p:stCondLst>
@@ -17400,7 +17283,7 @@
                                   <p:childTnLst>
                                     <p:set>
                                       <p:cBhvr>
-                                        <p:cTn id="72" dur="1" fill="hold">
+                                        <p:cTn id="67" dur="1" fill="hold">
                                           <p:stCondLst>
                                             <p:cond delay="0"/>
                                           </p:stCondLst>
@@ -17418,7 +17301,7 @@
                                     </p:set>
                                     <p:anim calcmode="lin" valueType="num">
                                       <p:cBhvr>
-                                        <p:cTn id="73" dur="500" fill="hold"/>
+                                        <p:cTn id="68" dur="500" fill="hold"/>
                                         <p:tgtEl>
                                           <p:spTgt spid="36"/>
                                         </p:tgtEl>
@@ -17446,7 +17329,7 @@
                                     </p:anim>
                                     <p:anim calcmode="lin" valueType="num">
                                       <p:cBhvr>
-                                        <p:cTn id="74" dur="500" fill="hold"/>
+                                        <p:cTn id="69" dur="500" fill="hold"/>
                                         <p:tgtEl>
                                           <p:spTgt spid="36"/>
                                         </p:tgtEl>
@@ -17469,7 +17352,7 @@
                                     </p:anim>
                                     <p:anim calcmode="lin" valueType="num">
                                       <p:cBhvr>
-                                        <p:cTn id="75" dur="500" fill="hold"/>
+                                        <p:cTn id="70" dur="500" fill="hold"/>
                                         <p:tgtEl>
                                           <p:spTgt spid="36"/>
                                         </p:tgtEl>
@@ -17497,7 +17380,7 @@
                                     </p:anim>
                                     <p:anim calcmode="lin" valueType="num">
                                       <p:cBhvr>
-                                        <p:cTn id="76" dur="500" fill="hold"/>
+                                        <p:cTn id="71" dur="500" fill="hold"/>
                                         <p:tgtEl>
                                           <p:spTgt spid="36"/>
                                         </p:tgtEl>
@@ -17525,7 +17408,7 @@
                                     </p:anim>
                                     <p:animEffect transition="in" filter="fade">
                                       <p:cBhvr>
-                                        <p:cTn id="77" dur="500" tmFilter="0,0; .5, 1; 1, 1"/>
+                                        <p:cTn id="72" dur="500" tmFilter="0,0; .5, 1; 1, 1"/>
                                         <p:tgtEl>
                                           <p:spTgt spid="36"/>
                                         </p:tgtEl>
@@ -17538,20 +17421,20 @@
                           </p:cTn>
                         </p:par>
                         <p:par>
-                          <p:cTn id="78" fill="hold">
+                          <p:cTn id="73" fill="hold">
                             <p:stCondLst>
                               <p:cond delay="2000"/>
                             </p:stCondLst>
                             <p:childTnLst>
                               <p:par>
-                                <p:cTn id="79" presetID="22" presetClass="entr" presetSubtype="8" fill="hold" nodeType="afterEffect">
+                                <p:cTn id="74" presetID="22" presetClass="entr" presetSubtype="8" fill="hold" nodeType="afterEffect">
                                   <p:stCondLst>
                                     <p:cond delay="0"/>
                                   </p:stCondLst>
                                   <p:childTnLst>
                                     <p:set>
                                       <p:cBhvr>
-                                        <p:cTn id="80" dur="1" fill="hold">
+                                        <p:cTn id="75" dur="1" fill="hold">
                                           <p:stCondLst>
                                             <p:cond delay="0"/>
                                           </p:stCondLst>
@@ -17569,7 +17452,7 @@
                                     </p:set>
                                     <p:animEffect transition="in" filter="wipe(left)">
                                       <p:cBhvr>
-                                        <p:cTn id="81" dur="500"/>
+                                        <p:cTn id="76" dur="500"/>
                                         <p:tgtEl>
                                           <p:spTgt spid="9"/>
                                         </p:tgtEl>
@@ -17582,13 +17465,13 @@
                           </p:cTn>
                         </p:par>
                         <p:par>
-                          <p:cTn id="82" fill="hold">
+                          <p:cTn id="77" fill="hold">
                             <p:stCondLst>
                               <p:cond delay="2500"/>
                             </p:stCondLst>
                             <p:childTnLst>
                               <p:par>
-                                <p:cTn id="83" presetID="41" presetClass="entr" presetSubtype="0" fill="hold" grpId="0" nodeType="afterEffect">
+                                <p:cTn id="78" presetID="41" presetClass="entr" presetSubtype="0" fill="hold" grpId="0" nodeType="afterEffect">
                                   <p:stCondLst>
                                     <p:cond delay="0"/>
                                   </p:stCondLst>
@@ -17598,7 +17481,7 @@
                                   <p:childTnLst>
                                     <p:set>
                                       <p:cBhvr>
-                                        <p:cTn id="84" dur="1" fill="hold">
+                                        <p:cTn id="79" dur="1" fill="hold">
                                           <p:stCondLst>
                                             <p:cond delay="0"/>
                                           </p:stCondLst>
@@ -17616,7 +17499,7 @@
                                     </p:set>
                                     <p:anim calcmode="lin" valueType="num">
                                       <p:cBhvr>
-                                        <p:cTn id="85" dur="500" fill="hold"/>
+                                        <p:cTn id="80" dur="500" fill="hold"/>
                                         <p:tgtEl>
                                           <p:spTgt spid="37"/>
                                         </p:tgtEl>
@@ -17644,7 +17527,7 @@
                                     </p:anim>
                                     <p:anim calcmode="lin" valueType="num">
                                       <p:cBhvr>
-                                        <p:cTn id="86" dur="500" fill="hold"/>
+                                        <p:cTn id="81" dur="500" fill="hold"/>
                                         <p:tgtEl>
                                           <p:spTgt spid="37"/>
                                         </p:tgtEl>
@@ -17667,7 +17550,7 @@
                                     </p:anim>
                                     <p:anim calcmode="lin" valueType="num">
                                       <p:cBhvr>
-                                        <p:cTn id="87" dur="500" fill="hold"/>
+                                        <p:cTn id="82" dur="500" fill="hold"/>
                                         <p:tgtEl>
                                           <p:spTgt spid="37"/>
                                         </p:tgtEl>
@@ -17695,7 +17578,7 @@
                                     </p:anim>
                                     <p:anim calcmode="lin" valueType="num">
                                       <p:cBhvr>
-                                        <p:cTn id="88" dur="500" fill="hold"/>
+                                        <p:cTn id="83" dur="500" fill="hold"/>
                                         <p:tgtEl>
                                           <p:spTgt spid="37"/>
                                         </p:tgtEl>
@@ -17723,7 +17606,7 @@
                                     </p:anim>
                                     <p:animEffect transition="in" filter="fade">
                                       <p:cBhvr>
-                                        <p:cTn id="89" dur="500" tmFilter="0,0; .5, 1; 1, 1"/>
+                                        <p:cTn id="84" dur="500" tmFilter="0,0; .5, 1; 1, 1"/>
                                         <p:tgtEl>
                                           <p:spTgt spid="37"/>
                                         </p:tgtEl>
@@ -17773,7 +17656,6 @@
       <p:bldP spid="7" grpId="0"/>
       <p:bldP spid="36" grpId="0"/>
       <p:bldP spid="37" grpId="0"/>
-      <p:bldP spid="40" grpId="0"/>
       <p:bldP spid="23" grpId="0" animBg="1"/>
     </p:bldLst>
   </p:timing>
